--- a/Lecture/Lecture 20/Lecture 20.pptx
+++ b/Lecture/Lecture 20/Lecture 20.pptx
@@ -311,7 +311,7 @@
               <a:pPr>
                 <a:defRPr/>
               </a:pPr>
-              <a:t>10/16/2018</a:t>
+              <a:t>10/25/2018</a:t>
             </a:fld>
             <a:endParaRPr lang="en-US" dirty="0"/>
           </a:p>
@@ -523,7 +523,7 @@
               <a:pPr>
                 <a:defRPr/>
               </a:pPr>
-              <a:t>10/16/2018</a:t>
+              <a:t>10/25/2018</a:t>
             </a:fld>
             <a:endParaRPr lang="en-US" dirty="0"/>
           </a:p>
@@ -1042,7 +1042,7 @@
               <a:pPr>
                 <a:defRPr/>
               </a:pPr>
-              <a:t>10/16/2018</a:t>
+              <a:t>10/25/2018</a:t>
             </a:fld>
             <a:endParaRPr lang="en-US" dirty="0"/>
           </a:p>
@@ -1232,7 +1232,7 @@
               <a:pPr>
                 <a:defRPr/>
               </a:pPr>
-              <a:t>10/16/2018</a:t>
+              <a:t>10/25/2018</a:t>
             </a:fld>
             <a:endParaRPr lang="en-US" dirty="0"/>
           </a:p>
@@ -1432,7 +1432,7 @@
               <a:pPr>
                 <a:defRPr/>
               </a:pPr>
-              <a:t>10/16/2018</a:t>
+              <a:t>10/25/2018</a:t>
             </a:fld>
             <a:endParaRPr lang="en-US" dirty="0"/>
           </a:p>
@@ -1700,7 +1700,7 @@
               <a:pPr>
                 <a:defRPr/>
               </a:pPr>
-              <a:t>10/16/2018</a:t>
+              <a:t>10/25/2018</a:t>
             </a:fld>
             <a:endParaRPr lang="en-US" dirty="0">
               <a:solidFill>
@@ -1914,7 +1914,7 @@
               <a:pPr>
                 <a:defRPr/>
               </a:pPr>
-              <a:t>10/16/2018</a:t>
+              <a:t>10/25/2018</a:t>
             </a:fld>
             <a:endParaRPr lang="en-US" dirty="0">
               <a:solidFill>
@@ -2205,7 +2205,7 @@
               <a:pPr>
                 <a:defRPr/>
               </a:pPr>
-              <a:t>10/16/2018</a:t>
+              <a:t>10/25/2018</a:t>
             </a:fld>
             <a:endParaRPr lang="en-US" dirty="0">
               <a:solidFill>
@@ -2536,7 +2536,7 @@
               <a:pPr>
                 <a:defRPr/>
               </a:pPr>
-              <a:t>10/16/2018</a:t>
+              <a:t>10/25/2018</a:t>
             </a:fld>
             <a:endParaRPr lang="en-US" dirty="0">
               <a:solidFill>
@@ -3001,7 +3001,7 @@
               <a:pPr>
                 <a:defRPr/>
               </a:pPr>
-              <a:t>10/16/2018</a:t>
+              <a:t>10/25/2018</a:t>
             </a:fld>
             <a:endParaRPr lang="en-US" dirty="0">
               <a:solidFill>
@@ -3164,7 +3164,7 @@
               <a:pPr>
                 <a:defRPr/>
               </a:pPr>
-              <a:t>10/16/2018</a:t>
+              <a:t>10/25/2018</a:t>
             </a:fld>
             <a:endParaRPr lang="en-US" dirty="0">
               <a:solidFill>
@@ -3305,7 +3305,7 @@
               <a:pPr>
                 <a:defRPr/>
               </a:pPr>
-              <a:t>10/16/2018</a:t>
+              <a:t>10/25/2018</a:t>
             </a:fld>
             <a:endParaRPr lang="en-US" dirty="0">
               <a:solidFill>
@@ -3626,7 +3626,7 @@
               <a:pPr>
                 <a:defRPr/>
               </a:pPr>
-              <a:t>10/16/2018</a:t>
+              <a:t>10/25/2018</a:t>
             </a:fld>
             <a:endParaRPr lang="en-US" dirty="0">
               <a:solidFill>
@@ -3834,7 +3834,7 @@
               <a:pPr>
                 <a:defRPr/>
               </a:pPr>
-              <a:t>10/16/2018</a:t>
+              <a:t>10/25/2018</a:t>
             </a:fld>
             <a:endParaRPr lang="en-US" dirty="0"/>
           </a:p>
@@ -4117,7 +4117,7 @@
               <a:pPr>
                 <a:defRPr/>
               </a:pPr>
-              <a:t>10/16/2018</a:t>
+              <a:t>10/25/2018</a:t>
             </a:fld>
             <a:endParaRPr lang="en-US" dirty="0">
               <a:solidFill>
@@ -4331,7 +4331,7 @@
               <a:pPr>
                 <a:defRPr/>
               </a:pPr>
-              <a:t>10/16/2018</a:t>
+              <a:t>10/25/2018</a:t>
             </a:fld>
             <a:endParaRPr lang="en-US" dirty="0">
               <a:solidFill>
@@ -4555,7 +4555,7 @@
               <a:pPr>
                 <a:defRPr/>
               </a:pPr>
-              <a:t>10/16/2018</a:t>
+              <a:t>10/25/2018</a:t>
             </a:fld>
             <a:endParaRPr lang="en-US" dirty="0">
               <a:solidFill>
@@ -4765,7 +4765,7 @@
               <a:pPr>
                 <a:defRPr/>
               </a:pPr>
-              <a:t>10/16/2018</a:t>
+              <a:t>10/25/2018</a:t>
             </a:fld>
             <a:endParaRPr lang="en-US" dirty="0">
               <a:solidFill>
@@ -5042,7 +5042,7 @@
               <a:pPr>
                 <a:defRPr/>
               </a:pPr>
-              <a:t>10/16/2018</a:t>
+              <a:t>10/25/2018</a:t>
             </a:fld>
             <a:endParaRPr lang="en-US" dirty="0"/>
           </a:p>
@@ -5349,7 +5349,7 @@
               <a:pPr>
                 <a:defRPr/>
               </a:pPr>
-              <a:t>10/16/2018</a:t>
+              <a:t>10/25/2018</a:t>
             </a:fld>
             <a:endParaRPr lang="en-US" dirty="0"/>
           </a:p>
@@ -5790,7 +5790,7 @@
               <a:pPr>
                 <a:defRPr/>
               </a:pPr>
-              <a:t>10/16/2018</a:t>
+              <a:t>10/25/2018</a:t>
             </a:fld>
             <a:endParaRPr lang="en-US" dirty="0"/>
           </a:p>
@@ -5929,7 +5929,7 @@
               <a:pPr>
                 <a:defRPr/>
               </a:pPr>
-              <a:t>10/16/2018</a:t>
+              <a:t>10/25/2018</a:t>
             </a:fld>
             <a:endParaRPr lang="en-US" dirty="0"/>
           </a:p>
@@ -6046,7 +6046,7 @@
               <a:pPr>
                 <a:defRPr/>
               </a:pPr>
-              <a:t>10/16/2018</a:t>
+              <a:t>10/25/2018</a:t>
             </a:fld>
             <a:endParaRPr lang="en-US" dirty="0"/>
           </a:p>
@@ -6343,7 +6343,7 @@
               <a:pPr>
                 <a:defRPr/>
               </a:pPr>
-              <a:t>10/16/2018</a:t>
+              <a:t>10/25/2018</a:t>
             </a:fld>
             <a:endParaRPr lang="en-US" dirty="0"/>
           </a:p>
@@ -6620,7 +6620,7 @@
               <a:pPr>
                 <a:defRPr/>
               </a:pPr>
-              <a:t>10/16/2018</a:t>
+              <a:t>10/25/2018</a:t>
             </a:fld>
             <a:endParaRPr lang="en-US" dirty="0"/>
           </a:p>
@@ -6877,7 +6877,7 @@
               <a:pPr>
                 <a:defRPr/>
               </a:pPr>
-              <a:t>10/16/2018</a:t>
+              <a:t>10/25/2018</a:t>
             </a:fld>
             <a:endParaRPr lang="en-US" dirty="0"/>
           </a:p>
@@ -7587,7 +7587,7 @@
               <a:pPr>
                 <a:defRPr/>
               </a:pPr>
-              <a:t>10/16/2018</a:t>
+              <a:t>10/25/2018</a:t>
             </a:fld>
             <a:endParaRPr lang="en-US" dirty="0">
               <a:solidFill>
@@ -9535,8 +9535,8 @@
           <a:noFill/>
         </p:spPr>
       </p:pic>
-      <mc:AlternateContent xmlns:mc="http://schemas.openxmlformats.org/markup-compatibility/2006">
-        <mc:Choice xmlns:a14="http://schemas.microsoft.com/office/drawing/2010/main" Requires="a14">
+      <mc:AlternateContent xmlns:mc="http://schemas.openxmlformats.org/markup-compatibility/2006" xmlns:a14="http://schemas.microsoft.com/office/drawing/2010/main">
+        <mc:Choice Requires="a14">
           <p:sp>
             <p:nvSpPr>
               <p:cNvPr id="9" name="TextBox 8">
@@ -9928,7 +9928,7 @@
             </p:txBody>
           </p:sp>
         </mc:Choice>
-        <mc:Fallback>
+        <mc:Fallback xmlns="">
           <p:sp>
             <p:nvSpPr>
               <p:cNvPr id="9" name="TextBox 8">
@@ -10909,7 +10909,7 @@
                   <a:schemeClr val="bg1"/>
                 </a:solidFill>
               </a:rPr>
-              <a:t>(</a:t>
+              <a:t>(-abs(</a:t>
             </a:r>
             <a:r>
               <a:rPr lang="en-US" sz="1600" dirty="0" err="1">
@@ -10917,7 +10917,7 @@
                   <a:schemeClr val="bg1"/>
                 </a:solidFill>
               </a:rPr>
-              <a:t>ts,df</a:t>
+              <a:t>ts</a:t>
             </a:r>
             <a:r>
               <a:rPr lang="en-US" sz="1600" dirty="0">
@@ -10925,7 +10925,7 @@
                   <a:schemeClr val="bg1"/>
                 </a:solidFill>
               </a:rPr>
-              <a:t>=n-1)</a:t>
+              <a:t>),df=n-1)</a:t>
             </a:r>
           </a:p>
           <a:p>
@@ -12180,8 +12180,8 @@
           <a:noFill/>
         </p:spPr>
       </p:pic>
-      <mc:AlternateContent xmlns:mc="http://schemas.openxmlformats.org/markup-compatibility/2006">
-        <mc:Choice xmlns:a14="http://schemas.microsoft.com/office/drawing/2010/main" Requires="a14">
+      <mc:AlternateContent xmlns:mc="http://schemas.openxmlformats.org/markup-compatibility/2006" xmlns:a14="http://schemas.microsoft.com/office/drawing/2010/main">
+        <mc:Choice Requires="a14">
           <p:sp>
             <p:nvSpPr>
               <p:cNvPr id="9" name="TextBox 8">
@@ -12563,7 +12563,7 @@
             </p:txBody>
           </p:sp>
         </mc:Choice>
-        <mc:Fallback>
+        <mc:Fallback xmlns="">
           <p:sp>
             <p:nvSpPr>
               <p:cNvPr id="9" name="TextBox 8">
@@ -12828,8 +12828,8 @@
           <a:noFill/>
         </p:spPr>
       </p:pic>
-      <mc:AlternateContent xmlns:mc="http://schemas.openxmlformats.org/markup-compatibility/2006">
-        <mc:Choice xmlns:a14="http://schemas.microsoft.com/office/drawing/2010/main" Requires="a14">
+      <mc:AlternateContent xmlns:mc="http://schemas.openxmlformats.org/markup-compatibility/2006" xmlns:a14="http://schemas.microsoft.com/office/drawing/2010/main">
+        <mc:Choice Requires="a14">
           <p:sp>
             <p:nvSpPr>
               <p:cNvPr id="9" name="TextBox 8">
@@ -13030,7 +13030,7 @@
                     <m:d>
                       <m:dPr>
                         <m:ctrlPr>
-                          <a:rPr lang="en-US" b="0" i="0" smtClean="0">
+                          <a:rPr lang="en-US" b="0" i="1" smtClean="0">
                             <a:solidFill>
                               <a:srgbClr val="404040"/>
                             </a:solidFill>
@@ -13244,7 +13244,7 @@
             </p:txBody>
           </p:sp>
         </mc:Choice>
-        <mc:Fallback>
+        <mc:Fallback xmlns="">
           <p:sp>
             <p:nvSpPr>
               <p:cNvPr id="9" name="TextBox 8">
@@ -15188,8 +15188,8 @@
           <a:noFill/>
         </p:spPr>
       </p:pic>
-      <mc:AlternateContent xmlns:mc="http://schemas.openxmlformats.org/markup-compatibility/2006">
-        <mc:Choice xmlns:a14="http://schemas.microsoft.com/office/drawing/2010/main" Requires="a14">
+      <mc:AlternateContent xmlns:mc="http://schemas.openxmlformats.org/markup-compatibility/2006" xmlns:a14="http://schemas.microsoft.com/office/drawing/2010/main">
+        <mc:Choice Requires="a14">
           <p:sp>
             <p:nvSpPr>
               <p:cNvPr id="7" name="TextBox 6">
@@ -15296,7 +15296,7 @@
             </p:txBody>
           </p:sp>
         </mc:Choice>
-        <mc:Fallback>
+        <mc:Fallback xmlns="">
           <p:sp>
             <p:nvSpPr>
               <p:cNvPr id="7" name="TextBox 6">
@@ -15610,8 +15610,8 @@
           <a:noFill/>
         </p:spPr>
       </p:pic>
-      <mc:AlternateContent xmlns:mc="http://schemas.openxmlformats.org/markup-compatibility/2006">
-        <mc:Choice xmlns:a14="http://schemas.microsoft.com/office/drawing/2010/main" Requires="a14">
+      <mc:AlternateContent xmlns:mc="http://schemas.openxmlformats.org/markup-compatibility/2006" xmlns:a14="http://schemas.microsoft.com/office/drawing/2010/main">
+        <mc:Choice Requires="a14">
           <p:sp>
             <p:nvSpPr>
               <p:cNvPr id="7" name="TextBox 6">
@@ -15718,7 +15718,7 @@
             </p:txBody>
           </p:sp>
         </mc:Choice>
-        <mc:Fallback>
+        <mc:Fallback xmlns="">
           <p:sp>
             <p:nvSpPr>
               <p:cNvPr id="7" name="TextBox 6">
@@ -16032,8 +16032,8 @@
           <a:noFill/>
         </p:spPr>
       </p:pic>
-      <mc:AlternateContent xmlns:mc="http://schemas.openxmlformats.org/markup-compatibility/2006">
-        <mc:Choice xmlns:a14="http://schemas.microsoft.com/office/drawing/2010/main" Requires="a14">
+      <mc:AlternateContent xmlns:mc="http://schemas.openxmlformats.org/markup-compatibility/2006" xmlns:a14="http://schemas.microsoft.com/office/drawing/2010/main">
+        <mc:Choice Requires="a14">
           <p:sp>
             <p:nvSpPr>
               <p:cNvPr id="7" name="TextBox 6">
@@ -16140,7 +16140,7 @@
             </p:txBody>
           </p:sp>
         </mc:Choice>
-        <mc:Fallback>
+        <mc:Fallback xmlns="">
           <p:sp>
             <p:nvSpPr>
               <p:cNvPr id="7" name="TextBox 6">
